--- a/Python-Slides/File-Handling-in-Python-Session#20.pptx
+++ b/Python-Slides/File-Handling-in-Python-Session#20.pptx
@@ -26,25 +26,26 @@
     <p:sldId id="289" r:id="rId20"/>
     <p:sldId id="269" r:id="rId21"/>
     <p:sldId id="270" r:id="rId22"/>
-    <p:sldId id="285" r:id="rId23"/>
-    <p:sldId id="290" r:id="rId24"/>
-    <p:sldId id="291" r:id="rId25"/>
-    <p:sldId id="286" r:id="rId26"/>
-    <p:sldId id="271" r:id="rId27"/>
-    <p:sldId id="272" r:id="rId28"/>
-    <p:sldId id="273" r:id="rId29"/>
-    <p:sldId id="281" r:id="rId30"/>
-    <p:sldId id="282" r:id="rId31"/>
-    <p:sldId id="283" r:id="rId32"/>
-    <p:sldId id="284" r:id="rId33"/>
-    <p:sldId id="293" r:id="rId34"/>
-    <p:sldId id="294" r:id="rId35"/>
-    <p:sldId id="295" r:id="rId36"/>
-    <p:sldId id="296" r:id="rId37"/>
-    <p:sldId id="279" r:id="rId38"/>
-    <p:sldId id="280" r:id="rId39"/>
-    <p:sldId id="300" r:id="rId40"/>
-    <p:sldId id="299" r:id="rId41"/>
+    <p:sldId id="301" r:id="rId23"/>
+    <p:sldId id="285" r:id="rId24"/>
+    <p:sldId id="290" r:id="rId25"/>
+    <p:sldId id="291" r:id="rId26"/>
+    <p:sldId id="286" r:id="rId27"/>
+    <p:sldId id="271" r:id="rId28"/>
+    <p:sldId id="272" r:id="rId29"/>
+    <p:sldId id="273" r:id="rId30"/>
+    <p:sldId id="281" r:id="rId31"/>
+    <p:sldId id="282" r:id="rId32"/>
+    <p:sldId id="283" r:id="rId33"/>
+    <p:sldId id="284" r:id="rId34"/>
+    <p:sldId id="293" r:id="rId35"/>
+    <p:sldId id="294" r:id="rId36"/>
+    <p:sldId id="295" r:id="rId37"/>
+    <p:sldId id="296" r:id="rId38"/>
+    <p:sldId id="279" r:id="rId39"/>
+    <p:sldId id="280" r:id="rId40"/>
+    <p:sldId id="300" r:id="rId41"/>
+    <p:sldId id="299" r:id="rId42"/>
   </p:sldIdLst>
   <p:sldSz cx="12192000" cy="6858000"/>
   <p:notesSz cx="6858000" cy="9144000"/>
@@ -300,7 +301,7 @@
           <a:p>
             <a:fld id="{45F488EF-6CAE-4DA3-9A6F-9FCCE8B4F016}" type="datetimeFigureOut">
               <a:rPr lang="en-IN" smtClean="0"/>
-              <a:t>19-05-2021</a:t>
+              <a:t>30-08-2021</a:t>
             </a:fld>
             <a:endParaRPr lang="en-IN"/>
           </a:p>
@@ -500,7 +501,7 @@
           <a:p>
             <a:fld id="{45F488EF-6CAE-4DA3-9A6F-9FCCE8B4F016}" type="datetimeFigureOut">
               <a:rPr lang="en-IN" smtClean="0"/>
-              <a:t>19-05-2021</a:t>
+              <a:t>30-08-2021</a:t>
             </a:fld>
             <a:endParaRPr lang="en-IN"/>
           </a:p>
@@ -710,7 +711,7 @@
           <a:p>
             <a:fld id="{45F488EF-6CAE-4DA3-9A6F-9FCCE8B4F016}" type="datetimeFigureOut">
               <a:rPr lang="en-IN" smtClean="0"/>
-              <a:t>19-05-2021</a:t>
+              <a:t>30-08-2021</a:t>
             </a:fld>
             <a:endParaRPr lang="en-IN"/>
           </a:p>
@@ -910,7 +911,7 @@
           <a:p>
             <a:fld id="{45F488EF-6CAE-4DA3-9A6F-9FCCE8B4F016}" type="datetimeFigureOut">
               <a:rPr lang="en-IN" smtClean="0"/>
-              <a:t>19-05-2021</a:t>
+              <a:t>30-08-2021</a:t>
             </a:fld>
             <a:endParaRPr lang="en-IN"/>
           </a:p>
@@ -1186,7 +1187,7 @@
           <a:p>
             <a:fld id="{45F488EF-6CAE-4DA3-9A6F-9FCCE8B4F016}" type="datetimeFigureOut">
               <a:rPr lang="en-IN" smtClean="0"/>
-              <a:t>19-05-2021</a:t>
+              <a:t>30-08-2021</a:t>
             </a:fld>
             <a:endParaRPr lang="en-IN"/>
           </a:p>
@@ -1454,7 +1455,7 @@
           <a:p>
             <a:fld id="{45F488EF-6CAE-4DA3-9A6F-9FCCE8B4F016}" type="datetimeFigureOut">
               <a:rPr lang="en-IN" smtClean="0"/>
-              <a:t>19-05-2021</a:t>
+              <a:t>30-08-2021</a:t>
             </a:fld>
             <a:endParaRPr lang="en-IN"/>
           </a:p>
@@ -1869,7 +1870,7 @@
           <a:p>
             <a:fld id="{45F488EF-6CAE-4DA3-9A6F-9FCCE8B4F016}" type="datetimeFigureOut">
               <a:rPr lang="en-IN" smtClean="0"/>
-              <a:t>19-05-2021</a:t>
+              <a:t>30-08-2021</a:t>
             </a:fld>
             <a:endParaRPr lang="en-IN"/>
           </a:p>
@@ -2011,7 +2012,7 @@
           <a:p>
             <a:fld id="{45F488EF-6CAE-4DA3-9A6F-9FCCE8B4F016}" type="datetimeFigureOut">
               <a:rPr lang="en-IN" smtClean="0"/>
-              <a:t>19-05-2021</a:t>
+              <a:t>30-08-2021</a:t>
             </a:fld>
             <a:endParaRPr lang="en-IN"/>
           </a:p>
@@ -2124,7 +2125,7 @@
           <a:p>
             <a:fld id="{45F488EF-6CAE-4DA3-9A6F-9FCCE8B4F016}" type="datetimeFigureOut">
               <a:rPr lang="en-IN" smtClean="0"/>
-              <a:t>19-05-2021</a:t>
+              <a:t>30-08-2021</a:t>
             </a:fld>
             <a:endParaRPr lang="en-IN"/>
           </a:p>
@@ -2437,7 +2438,7 @@
           <a:p>
             <a:fld id="{45F488EF-6CAE-4DA3-9A6F-9FCCE8B4F016}" type="datetimeFigureOut">
               <a:rPr lang="en-IN" smtClean="0"/>
-              <a:t>19-05-2021</a:t>
+              <a:t>30-08-2021</a:t>
             </a:fld>
             <a:endParaRPr lang="en-IN"/>
           </a:p>
@@ -2726,7 +2727,7 @@
           <a:p>
             <a:fld id="{45F488EF-6CAE-4DA3-9A6F-9FCCE8B4F016}" type="datetimeFigureOut">
               <a:rPr lang="en-IN" smtClean="0"/>
-              <a:t>19-05-2021</a:t>
+              <a:t>30-08-2021</a:t>
             </a:fld>
             <a:endParaRPr lang="en-IN"/>
           </a:p>
@@ -2969,7 +2970,7 @@
           <a:p>
             <a:fld id="{45F488EF-6CAE-4DA3-9A6F-9FCCE8B4F016}" type="datetimeFigureOut">
               <a:rPr lang="en-IN" smtClean="0"/>
-              <a:t>19-05-2021</a:t>
+              <a:t>30-08-2021</a:t>
             </a:fld>
             <a:endParaRPr lang="en-IN"/>
           </a:p>
@@ -6772,6 +6773,265 @@
       </p:grpSpPr>
       <p:sp>
         <p:nvSpPr>
+          <p:cNvPr id="5" name="TextBox 4">
+            <a:extLst>
+              <a:ext uri="{FF2B5EF4-FFF2-40B4-BE49-F238E27FC236}">
+                <a16:creationId xmlns:a16="http://schemas.microsoft.com/office/drawing/2014/main" id="{D630F1A0-065B-4161-91EE-F111A7735BEC}"/>
+              </a:ext>
+            </a:extLst>
+          </p:cNvPr>
+          <p:cNvSpPr txBox="1"/>
+          <p:nvPr/>
+        </p:nvSpPr>
+        <p:spPr>
+          <a:xfrm>
+            <a:off x="934374" y="297219"/>
+            <a:ext cx="7188693" cy="6463308"/>
+          </a:xfrm>
+          <a:prstGeom prst="rect">
+            <a:avLst/>
+          </a:prstGeom>
+          <a:noFill/>
+        </p:spPr>
+        <p:txBody>
+          <a:bodyPr wrap="square">
+            <a:spAutoFit/>
+          </a:bodyPr>
+          <a:lstStyle/>
+          <a:p>
+            <a:r>
+              <a:rPr lang="en-IN" dirty="0"/>
+              <a:t># In Python 3.4+ you can use</a:t>
+            </a:r>
+          </a:p>
+          <a:p>
+            <a:r>
+              <a:rPr lang="en-IN" dirty="0"/>
+              <a:t># </a:t>
+            </a:r>
+            <a:r>
+              <a:rPr lang="en-IN" dirty="0" err="1"/>
+              <a:t>contextlib.suppress</a:t>
+            </a:r>
+            <a:r>
+              <a:rPr lang="en-IN" dirty="0"/>
+              <a:t>() to selectively</a:t>
+            </a:r>
+          </a:p>
+          <a:p>
+            <a:r>
+              <a:rPr lang="en-IN" dirty="0"/>
+              <a:t># ignore specific exceptions:</a:t>
+            </a:r>
+          </a:p>
+          <a:p>
+            <a:endParaRPr lang="en-IN" dirty="0"/>
+          </a:p>
+          <a:p>
+            <a:r>
+              <a:rPr lang="en-IN" dirty="0"/>
+              <a:t>import </a:t>
+            </a:r>
+            <a:r>
+              <a:rPr lang="en-IN" dirty="0" err="1"/>
+              <a:t>contextlib</a:t>
+            </a:r>
+            <a:endParaRPr lang="en-IN" dirty="0"/>
+          </a:p>
+          <a:p>
+            <a:endParaRPr lang="en-IN" dirty="0"/>
+          </a:p>
+          <a:p>
+            <a:r>
+              <a:rPr lang="en-IN" dirty="0"/>
+              <a:t>with </a:t>
+            </a:r>
+            <a:r>
+              <a:rPr lang="en-IN" dirty="0" err="1"/>
+              <a:t>contextlib.suppress</a:t>
+            </a:r>
+            <a:r>
+              <a:rPr lang="en-IN" dirty="0"/>
+              <a:t>(</a:t>
+            </a:r>
+            <a:r>
+              <a:rPr lang="en-IN" dirty="0" err="1"/>
+              <a:t>FileNotFoundError</a:t>
+            </a:r>
+            <a:r>
+              <a:rPr lang="en-IN" dirty="0"/>
+              <a:t>):</a:t>
+            </a:r>
+          </a:p>
+          <a:p>
+            <a:r>
+              <a:rPr lang="en-IN" dirty="0"/>
+              <a:t>    </a:t>
+            </a:r>
+            <a:r>
+              <a:rPr lang="en-IN" dirty="0" err="1"/>
+              <a:t>os.remove</a:t>
+            </a:r>
+            <a:r>
+              <a:rPr lang="en-IN" dirty="0"/>
+              <a:t>('</a:t>
+            </a:r>
+            <a:r>
+              <a:rPr lang="en-IN" dirty="0" err="1"/>
+              <a:t>somefile.tmp</a:t>
+            </a:r>
+            <a:r>
+              <a:rPr lang="en-IN" dirty="0"/>
+              <a:t>')</a:t>
+            </a:r>
+          </a:p>
+          <a:p>
+            <a:endParaRPr lang="en-IN" dirty="0"/>
+          </a:p>
+          <a:p>
+            <a:r>
+              <a:rPr lang="en-IN" dirty="0"/>
+              <a:t># This is equivalent to:</a:t>
+            </a:r>
+          </a:p>
+          <a:p>
+            <a:endParaRPr lang="en-IN" dirty="0"/>
+          </a:p>
+          <a:p>
+            <a:r>
+              <a:rPr lang="en-IN" dirty="0"/>
+              <a:t>try:</a:t>
+            </a:r>
+          </a:p>
+          <a:p>
+            <a:r>
+              <a:rPr lang="en-IN" dirty="0"/>
+              <a:t>    </a:t>
+            </a:r>
+            <a:r>
+              <a:rPr lang="en-IN" dirty="0" err="1"/>
+              <a:t>os.remove</a:t>
+            </a:r>
+            <a:r>
+              <a:rPr lang="en-IN" dirty="0"/>
+              <a:t>('</a:t>
+            </a:r>
+            <a:r>
+              <a:rPr lang="en-IN" dirty="0" err="1"/>
+              <a:t>somefile.tmp</a:t>
+            </a:r>
+            <a:r>
+              <a:rPr lang="en-IN" dirty="0"/>
+              <a:t>')</a:t>
+            </a:r>
+          </a:p>
+          <a:p>
+            <a:r>
+              <a:rPr lang="en-IN" dirty="0"/>
+              <a:t>except </a:t>
+            </a:r>
+            <a:r>
+              <a:rPr lang="en-IN" dirty="0" err="1"/>
+              <a:t>FileNotFoundError</a:t>
+            </a:r>
+            <a:r>
+              <a:rPr lang="en-IN" dirty="0"/>
+              <a:t>:</a:t>
+            </a:r>
+          </a:p>
+          <a:p>
+            <a:r>
+              <a:rPr lang="en-IN" dirty="0"/>
+              <a:t>    pass</a:t>
+            </a:r>
+          </a:p>
+          <a:p>
+            <a:endParaRPr lang="en-IN" dirty="0"/>
+          </a:p>
+          <a:p>
+            <a:r>
+              <a:rPr lang="en-IN" dirty="0"/>
+              <a:t># </a:t>
+            </a:r>
+            <a:r>
+              <a:rPr lang="en-IN" dirty="0" err="1"/>
+              <a:t>contextlib.suppress</a:t>
+            </a:r>
+            <a:r>
+              <a:rPr lang="en-IN" dirty="0"/>
+              <a:t> docstring: </a:t>
+            </a:r>
+          </a:p>
+          <a:p>
+            <a:r>
+              <a:rPr lang="en-IN" dirty="0"/>
+              <a:t>#</a:t>
+            </a:r>
+          </a:p>
+          <a:p>
+            <a:r>
+              <a:rPr lang="en-IN" dirty="0"/>
+              <a:t># "Return a context manager that suppresses any </a:t>
+            </a:r>
+          </a:p>
+          <a:p>
+            <a:r>
+              <a:rPr lang="en-IN" dirty="0"/>
+              <a:t>#  of the specified exceptions if they occur in the body</a:t>
+            </a:r>
+          </a:p>
+          <a:p>
+            <a:r>
+              <a:rPr lang="en-IN" dirty="0"/>
+              <a:t>#  of a with statement and then resumes execution with </a:t>
+            </a:r>
+          </a:p>
+          <a:p>
+            <a:r>
+              <a:rPr lang="en-IN" dirty="0"/>
+              <a:t>#  the first statement following the end of </a:t>
+            </a:r>
+          </a:p>
+          <a:p>
+            <a:r>
+              <a:rPr lang="en-IN" dirty="0"/>
+              <a:t>#  the with statement."</a:t>
+            </a:r>
+          </a:p>
+        </p:txBody>
+      </p:sp>
+    </p:spTree>
+    <p:extLst>
+      <p:ext uri="{BB962C8B-B14F-4D97-AF65-F5344CB8AC3E}">
+        <p14:creationId xmlns:p14="http://schemas.microsoft.com/office/powerpoint/2010/main" val="3414917961"/>
+      </p:ext>
+    </p:extLst>
+  </p:cSld>
+  <p:clrMapOvr>
+    <a:masterClrMapping/>
+  </p:clrMapOvr>
+</p:sld>
+</file>
+
+<file path=ppt/slides/slide23.xml><?xml version="1.0" encoding="utf-8"?>
+<p:sld xmlns:a="http://schemas.openxmlformats.org/drawingml/2006/main" xmlns:r="http://schemas.openxmlformats.org/officeDocument/2006/relationships" xmlns:p="http://schemas.openxmlformats.org/presentationml/2006/main">
+  <p:cSld>
+    <p:spTree>
+      <p:nvGrpSpPr>
+        <p:cNvPr id="1" name=""/>
+        <p:cNvGrpSpPr/>
+        <p:nvPr/>
+      </p:nvGrpSpPr>
+      <p:grpSpPr>
+        <a:xfrm>
+          <a:off x="0" y="0"/>
+          <a:ext cx="0" cy="0"/>
+          <a:chOff x="0" y="0"/>
+          <a:chExt cx="0" cy="0"/>
+        </a:xfrm>
+      </p:grpSpPr>
+      <p:sp>
+        <p:nvSpPr>
           <p:cNvPr id="2" name="Title 1">
             <a:extLst>
               <a:ext uri="{FF2B5EF4-FFF2-40B4-BE49-F238E27FC236}">
@@ -6941,7 +7201,7 @@
 </p:sld>
 </file>
 
-<file path=ppt/slides/slide23.xml><?xml version="1.0" encoding="utf-8"?>
+<file path=ppt/slides/slide24.xml><?xml version="1.0" encoding="utf-8"?>
 <p:sld xmlns:a="http://schemas.openxmlformats.org/drawingml/2006/main" xmlns:r="http://schemas.openxmlformats.org/officeDocument/2006/relationships" xmlns:p="http://schemas.openxmlformats.org/presentationml/2006/main">
   <p:cSld>
     <p:spTree>
@@ -7450,7 +7710,7 @@
 </p:sld>
 </file>
 
-<file path=ppt/slides/slide24.xml><?xml version="1.0" encoding="utf-8"?>
+<file path=ppt/slides/slide25.xml><?xml version="1.0" encoding="utf-8"?>
 <p:sld xmlns:a="http://schemas.openxmlformats.org/drawingml/2006/main" xmlns:r="http://schemas.openxmlformats.org/officeDocument/2006/relationships" xmlns:p="http://schemas.openxmlformats.org/presentationml/2006/main">
   <p:cSld>
     <p:spTree>
@@ -7922,7 +8182,7 @@
 </p:sld>
 </file>
 
-<file path=ppt/slides/slide25.xml><?xml version="1.0" encoding="utf-8"?>
+<file path=ppt/slides/slide26.xml><?xml version="1.0" encoding="utf-8"?>
 <p:sld xmlns:a="http://schemas.openxmlformats.org/drawingml/2006/main" xmlns:r="http://schemas.openxmlformats.org/officeDocument/2006/relationships" xmlns:p="http://schemas.openxmlformats.org/presentationml/2006/main">
   <p:cSld>
     <p:spTree>
@@ -8263,7 +8523,7 @@
 </p:sld>
 </file>
 
-<file path=ppt/slides/slide26.xml><?xml version="1.0" encoding="utf-8"?>
+<file path=ppt/slides/slide27.xml><?xml version="1.0" encoding="utf-8"?>
 <p:sld xmlns:a="http://schemas.openxmlformats.org/drawingml/2006/main" xmlns:r="http://schemas.openxmlformats.org/officeDocument/2006/relationships" xmlns:p="http://schemas.openxmlformats.org/presentationml/2006/main">
   <p:cSld>
     <p:spTree>
@@ -8536,225 +8796,6 @@
     <p:extLst>
       <p:ext uri="{BB962C8B-B14F-4D97-AF65-F5344CB8AC3E}">
         <p14:creationId xmlns:p14="http://schemas.microsoft.com/office/powerpoint/2010/main" val="126122845"/>
-      </p:ext>
-    </p:extLst>
-  </p:cSld>
-  <p:clrMapOvr>
-    <a:masterClrMapping/>
-  </p:clrMapOvr>
-</p:sld>
-</file>
-
-<file path=ppt/slides/slide27.xml><?xml version="1.0" encoding="utf-8"?>
-<p:sld xmlns:a="http://schemas.openxmlformats.org/drawingml/2006/main" xmlns:r="http://schemas.openxmlformats.org/officeDocument/2006/relationships" xmlns:p="http://schemas.openxmlformats.org/presentationml/2006/main">
-  <p:cSld>
-    <p:spTree>
-      <p:nvGrpSpPr>
-        <p:cNvPr id="1" name=""/>
-        <p:cNvGrpSpPr/>
-        <p:nvPr/>
-      </p:nvGrpSpPr>
-      <p:grpSpPr>
-        <a:xfrm>
-          <a:off x="0" y="0"/>
-          <a:ext cx="0" cy="0"/>
-          <a:chOff x="0" y="0"/>
-          <a:chExt cx="0" cy="0"/>
-        </a:xfrm>
-      </p:grpSpPr>
-      <p:sp>
-        <p:nvSpPr>
-          <p:cNvPr id="2" name="Title 1">
-            <a:extLst>
-              <a:ext uri="{FF2B5EF4-FFF2-40B4-BE49-F238E27FC236}">
-                <a16:creationId xmlns:a16="http://schemas.microsoft.com/office/drawing/2014/main" id="{760B7834-C5F3-4225-BF1D-E06E08FA800D}"/>
-              </a:ext>
-            </a:extLst>
-          </p:cNvPr>
-          <p:cNvSpPr>
-            <a:spLocks noGrp="1"/>
-          </p:cNvSpPr>
-          <p:nvPr>
-            <p:ph type="title"/>
-          </p:nvPr>
-        </p:nvSpPr>
-        <p:spPr>
-          <a:xfrm>
-            <a:off x="838200" y="365126"/>
-            <a:ext cx="10515600" cy="584786"/>
-          </a:xfrm>
-        </p:spPr>
-        <p:txBody>
-          <a:bodyPr>
-            <a:normAutofit fontScale="90000"/>
-          </a:bodyPr>
-          <a:lstStyle/>
-          <a:p>
-            <a:r>
-              <a:rPr lang="en-US" dirty="0"/>
-              <a:t>Writing into a json file</a:t>
-            </a:r>
-            <a:endParaRPr lang="en-IN" dirty="0"/>
-          </a:p>
-        </p:txBody>
-      </p:sp>
-      <p:sp>
-        <p:nvSpPr>
-          <p:cNvPr id="3" name="Content Placeholder 2">
-            <a:extLst>
-              <a:ext uri="{FF2B5EF4-FFF2-40B4-BE49-F238E27FC236}">
-                <a16:creationId xmlns:a16="http://schemas.microsoft.com/office/drawing/2014/main" id="{EE12DC8F-1798-42D8-890E-6CAB2CC4DF55}"/>
-              </a:ext>
-            </a:extLst>
-          </p:cNvPr>
-          <p:cNvSpPr>
-            <a:spLocks noGrp="1"/>
-          </p:cNvSpPr>
-          <p:nvPr>
-            <p:ph idx="1"/>
-          </p:nvPr>
-        </p:nvSpPr>
-        <p:spPr>
-          <a:xfrm>
-            <a:off x="838200" y="1544715"/>
-            <a:ext cx="10515600" cy="4632248"/>
-          </a:xfrm>
-        </p:spPr>
-        <p:txBody>
-          <a:bodyPr/>
-          <a:lstStyle/>
-          <a:p>
-            <a:pPr marL="0" indent="0">
-              <a:buNone/>
-            </a:pPr>
-            <a:r>
-              <a:rPr lang="en-US" dirty="0"/>
-              <a:t>Import json </a:t>
-            </a:r>
-          </a:p>
-          <a:p>
-            <a:pPr marL="0" indent="0">
-              <a:buNone/>
-            </a:pPr>
-            <a:r>
-              <a:rPr lang="en-US" sz="2800" dirty="0"/>
-              <a:t>a={‘</a:t>
-            </a:r>
-            <a:r>
-              <a:rPr lang="en-US" sz="2800" dirty="0" err="1"/>
-              <a:t>name’:’Max</a:t>
-            </a:r>
-            <a:r>
-              <a:rPr lang="en-US" sz="2800" dirty="0"/>
-              <a:t>’,</a:t>
-            </a:r>
-          </a:p>
-          <a:p>
-            <a:pPr marL="0" indent="0">
-              <a:buNone/>
-            </a:pPr>
-            <a:r>
-              <a:rPr lang="en-US" sz="2800" dirty="0"/>
-              <a:t>         ‘age’:22,</a:t>
-            </a:r>
-          </a:p>
-          <a:p>
-            <a:pPr marL="0" indent="0">
-              <a:buNone/>
-            </a:pPr>
-            <a:r>
-              <a:rPr lang="en-US" sz="2800" dirty="0"/>
-              <a:t>         ‘marks’:[90,50,60,80],</a:t>
-            </a:r>
-          </a:p>
-          <a:p>
-            <a:pPr marL="0" indent="0">
-              <a:buNone/>
-            </a:pPr>
-            <a:r>
-              <a:rPr lang="en-US" sz="2800" dirty="0"/>
-              <a:t>         ‘</a:t>
-            </a:r>
-            <a:r>
-              <a:rPr lang="en-US" sz="2800" dirty="0" err="1"/>
-              <a:t>pass’:True</a:t>
-            </a:r>
-            <a:endParaRPr lang="en-US" sz="2800" dirty="0"/>
-          </a:p>
-          <a:p>
-            <a:pPr marL="0" indent="0">
-              <a:buNone/>
-            </a:pPr>
-            <a:r>
-              <a:rPr lang="en-US" sz="2800" dirty="0"/>
-              <a:t> }</a:t>
-            </a:r>
-          </a:p>
-          <a:p>
-            <a:pPr marL="0" indent="0">
-              <a:buNone/>
-            </a:pPr>
-            <a:r>
-              <a:rPr lang="en-US" dirty="0"/>
-              <a:t>with open(‘</a:t>
-            </a:r>
-            <a:r>
-              <a:rPr lang="en-US" dirty="0" err="1"/>
-              <a:t>demo.json’,’w</a:t>
-            </a:r>
-            <a:r>
-              <a:rPr lang="en-US" dirty="0"/>
-              <a:t>’) as </a:t>
-            </a:r>
-            <a:r>
-              <a:rPr lang="en-US" dirty="0" err="1"/>
-              <a:t>fh</a:t>
-            </a:r>
-            <a:r>
-              <a:rPr lang="en-US" dirty="0"/>
-              <a:t>:</a:t>
-            </a:r>
-          </a:p>
-          <a:p>
-            <a:pPr marL="0" indent="0">
-              <a:buNone/>
-            </a:pPr>
-            <a:r>
-              <a:rPr lang="en-US" dirty="0"/>
-              <a:t>       </a:t>
-            </a:r>
-            <a:r>
-              <a:rPr lang="en-US" dirty="0" err="1"/>
-              <a:t>fh.write</a:t>
-            </a:r>
-            <a:r>
-              <a:rPr lang="en-US" dirty="0"/>
-              <a:t>(</a:t>
-            </a:r>
-            <a:r>
-              <a:rPr lang="en-US" sz="2800" dirty="0" err="1"/>
-              <a:t>json.dumps</a:t>
-            </a:r>
-            <a:r>
-              <a:rPr lang="en-US" sz="2800" dirty="0"/>
-              <a:t>(</a:t>
-            </a:r>
-            <a:r>
-              <a:rPr lang="en-US" sz="2800" dirty="0" err="1"/>
-              <a:t>a,indent</a:t>
-            </a:r>
-            <a:r>
-              <a:rPr lang="en-US" sz="2800" dirty="0"/>
-              <a:t>=2))</a:t>
-            </a:r>
-            <a:endParaRPr lang="en-IN" dirty="0"/>
-          </a:p>
-        </p:txBody>
-      </p:sp>
-    </p:spTree>
-    <p:extLst>
-      <p:ext uri="{BB962C8B-B14F-4D97-AF65-F5344CB8AC3E}">
-        <p14:creationId xmlns:p14="http://schemas.microsoft.com/office/powerpoint/2010/main" val="3149824181"/>
       </p:ext>
     </p:extLst>
   </p:cSld>
@@ -8811,7 +8852,7 @@
           <a:p>
             <a:r>
               <a:rPr lang="en-US" dirty="0"/>
-              <a:t>Reading from a json file</a:t>
+              <a:t>Writing into a json file</a:t>
             </a:r>
             <a:endParaRPr lang="en-IN" dirty="0"/>
           </a:p>
@@ -8835,22 +8876,20 @@
         </p:nvSpPr>
         <p:spPr>
           <a:xfrm>
-            <a:off x="568171" y="1544715"/>
-            <a:ext cx="11623829" cy="5211192"/>
+            <a:off x="838200" y="1544715"/>
+            <a:ext cx="10515600" cy="4632248"/>
           </a:xfrm>
         </p:spPr>
         <p:txBody>
-          <a:bodyPr>
-            <a:normAutofit/>
-          </a:bodyPr>
+          <a:bodyPr/>
           <a:lstStyle/>
           <a:p>
             <a:pPr marL="0" indent="0">
               <a:buNone/>
             </a:pPr>
             <a:r>
-              <a:rPr lang="en-US" sz="2400" dirty="0"/>
-              <a:t>import json </a:t>
+              <a:rPr lang="en-US" dirty="0"/>
+              <a:t>Import json </a:t>
             </a:r>
           </a:p>
           <a:p>
@@ -8858,23 +8897,81 @@
               <a:buNone/>
             </a:pPr>
             <a:r>
-              <a:rPr lang="en-US" sz="2400" dirty="0"/>
+              <a:rPr lang="en-US" sz="2800" dirty="0"/>
+              <a:t>a={‘</a:t>
+            </a:r>
+            <a:r>
+              <a:rPr lang="en-US" sz="2800" dirty="0" err="1"/>
+              <a:t>name’:’Max</a:t>
+            </a:r>
+            <a:r>
+              <a:rPr lang="en-US" sz="2800" dirty="0"/>
+              <a:t>’,</a:t>
+            </a:r>
+          </a:p>
+          <a:p>
+            <a:pPr marL="0" indent="0">
+              <a:buNone/>
+            </a:pPr>
+            <a:r>
+              <a:rPr lang="en-US" sz="2800" dirty="0"/>
+              <a:t>         ‘age’:22,</a:t>
+            </a:r>
+          </a:p>
+          <a:p>
+            <a:pPr marL="0" indent="0">
+              <a:buNone/>
+            </a:pPr>
+            <a:r>
+              <a:rPr lang="en-US" sz="2800" dirty="0"/>
+              <a:t>         ‘marks’:[90,50,60,80],</a:t>
+            </a:r>
+          </a:p>
+          <a:p>
+            <a:pPr marL="0" indent="0">
+              <a:buNone/>
+            </a:pPr>
+            <a:r>
+              <a:rPr lang="en-US" sz="2800" dirty="0"/>
+              <a:t>         ‘</a:t>
+            </a:r>
+            <a:r>
+              <a:rPr lang="en-US" sz="2800" dirty="0" err="1"/>
+              <a:t>pass’:True</a:t>
+            </a:r>
+            <a:endParaRPr lang="en-US" sz="2800" dirty="0"/>
+          </a:p>
+          <a:p>
+            <a:pPr marL="0" indent="0">
+              <a:buNone/>
+            </a:pPr>
+            <a:r>
+              <a:rPr lang="en-US" sz="2800" dirty="0"/>
+              <a:t> }</a:t>
+            </a:r>
+          </a:p>
+          <a:p>
+            <a:pPr marL="0" indent="0">
+              <a:buNone/>
+            </a:pPr>
+            <a:r>
+              <a:rPr lang="en-US" dirty="0"/>
               <a:t>with open(‘</a:t>
             </a:r>
             <a:r>
-              <a:rPr lang="en-US" sz="2400" dirty="0" err="1"/>
-              <a:t>demo.json’,’r</a:t>
-            </a:r>
-            <a:r>
-              <a:rPr lang="en-US" sz="2400" dirty="0"/>
+              <a:rPr lang="en-US" dirty="0" err="1"/>
+              <a:t>demo.json’,’w</a:t>
+            </a:r>
+            <a:r>
+              <a:rPr lang="en-US" dirty="0"/>
               <a:t>’) as </a:t>
             </a:r>
             <a:r>
-              <a:rPr lang="en-US" sz="2400" dirty="0" err="1"/>
+              <a:rPr lang="en-US" dirty="0" err="1"/>
               <a:t>fh</a:t>
             </a:r>
             <a:r>
-              <a:rPr lang="en-US" sz="2400" dirty="0"/>
+              <a:rPr lang="en-US" dirty="0"/>
               <a:t>:</a:t>
             </a:r>
           </a:p>
@@ -8883,150 +8980,41 @@
               <a:buNone/>
             </a:pPr>
             <a:r>
-              <a:rPr lang="en-US" sz="2400" dirty="0"/>
-              <a:t>        print(</a:t>
-            </a:r>
-            <a:r>
-              <a:rPr lang="en-US" sz="2400" dirty="0" err="1"/>
-              <a:t>fh.read</a:t>
-            </a:r>
-            <a:r>
-              <a:rPr lang="en-US" sz="2400" dirty="0"/>
-              <a:t>()) #reads string value</a:t>
-            </a:r>
-          </a:p>
-          <a:p>
-            <a:pPr marL="0" indent="0">
-              <a:buNone/>
-            </a:pPr>
-            <a:r>
-              <a:rPr lang="en-US" sz="2400" dirty="0">
-                <a:highlight>
-                  <a:srgbClr val="FFFF00"/>
-                </a:highlight>
-              </a:rPr>
-              <a:t>#or</a:t>
-            </a:r>
-          </a:p>
-          <a:p>
-            <a:pPr marL="0" indent="0">
-              <a:buNone/>
-            </a:pPr>
-            <a:r>
-              <a:rPr lang="en-US" sz="2400" dirty="0"/>
-              <a:t> with open(‘</a:t>
-            </a:r>
-            <a:r>
-              <a:rPr lang="en-US" sz="2400" dirty="0" err="1"/>
-              <a:t>demo.json’,’r</a:t>
-            </a:r>
-            <a:r>
-              <a:rPr lang="en-US" sz="2400" dirty="0"/>
-              <a:t>’) as </a:t>
-            </a:r>
-            <a:r>
-              <a:rPr lang="en-US" sz="2400" dirty="0" err="1"/>
-              <a:t>fh</a:t>
-            </a:r>
-            <a:r>
-              <a:rPr lang="en-US" sz="2400" dirty="0"/>
-              <a:t>:</a:t>
-            </a:r>
-          </a:p>
-          <a:p>
-            <a:pPr marL="0" indent="0">
-              <a:buNone/>
-            </a:pPr>
-            <a:r>
-              <a:rPr lang="en-IN" sz="2400" dirty="0"/>
-              <a:t>    </a:t>
-            </a:r>
-          </a:p>
-          <a:p>
-            <a:pPr marL="0" indent="0">
-              <a:buNone/>
-            </a:pPr>
-            <a:r>
-              <a:rPr lang="en-IN" sz="2400" dirty="0"/>
-              <a:t>    </a:t>
-            </a:r>
-            <a:r>
-              <a:rPr lang="en-IN" sz="2400" dirty="0" err="1"/>
-              <a:t>json_value</a:t>
-            </a:r>
-            <a:r>
-              <a:rPr lang="en-IN" sz="2400" dirty="0"/>
-              <a:t>=</a:t>
-            </a:r>
-            <a:r>
-              <a:rPr lang="en-IN" sz="2400" dirty="0" err="1"/>
-              <a:t>json.load</a:t>
-            </a:r>
-            <a:r>
-              <a:rPr lang="en-IN" sz="2400" dirty="0"/>
+              <a:rPr lang="en-US" dirty="0"/>
+              <a:t>       </a:t>
+            </a:r>
+            <a:r>
+              <a:rPr lang="en-US" dirty="0" err="1"/>
+              <a:t>fh.write</a:t>
+            </a:r>
+            <a:r>
+              <a:rPr lang="en-US" dirty="0"/>
               <a:t>(</a:t>
             </a:r>
             <a:r>
-              <a:rPr lang="en-IN" sz="2400" dirty="0" err="1"/>
-              <a:t>fh</a:t>
-            </a:r>
-            <a:r>
-              <a:rPr lang="en-IN" sz="2400" dirty="0"/>
-              <a:t>) #</a:t>
-            </a:r>
-            <a:r>
-              <a:rPr lang="en-IN" sz="1800" dirty="0"/>
-              <a:t>loads() is used to convert from string to json value and prints in </a:t>
-            </a:r>
-            <a:r>
-              <a:rPr lang="en-IN" sz="1800" dirty="0" err="1"/>
-              <a:t>dict</a:t>
-            </a:r>
-            <a:r>
-              <a:rPr lang="en-IN" sz="1800" dirty="0"/>
-              <a:t> form.</a:t>
-            </a:r>
-          </a:p>
-          <a:p>
-            <a:pPr marL="0" indent="0">
-              <a:buNone/>
-            </a:pPr>
-            <a:r>
-              <a:rPr lang="en-IN" sz="2400" dirty="0"/>
-              <a:t>  print(</a:t>
-            </a:r>
-            <a:r>
-              <a:rPr lang="en-IN" sz="2400" dirty="0" err="1"/>
-              <a:t>json_value</a:t>
-            </a:r>
-            <a:r>
-              <a:rPr lang="en-IN" sz="2400" dirty="0"/>
-              <a:t>[‘name’])</a:t>
-            </a:r>
-          </a:p>
-          <a:p>
-            <a:pPr marL="0" indent="0">
-              <a:buNone/>
-            </a:pPr>
-            <a:r>
-              <a:rPr lang="en-IN" sz="2400" dirty="0"/>
-              <a:t>print(</a:t>
-            </a:r>
-            <a:r>
-              <a:rPr lang="en-IN" sz="2400" dirty="0" err="1"/>
-              <a:t>json_value</a:t>
-            </a:r>
-            <a:r>
-              <a:rPr lang="en-IN" sz="2400" dirty="0"/>
-              <a:t>)</a:t>
-            </a:r>
+              <a:rPr lang="en-US" sz="2800" dirty="0" err="1"/>
+              <a:t>json.dumps</a:t>
+            </a:r>
+            <a:r>
+              <a:rPr lang="en-US" sz="2800" dirty="0"/>
+              <a:t>(</a:t>
+            </a:r>
+            <a:r>
+              <a:rPr lang="en-US" sz="2800" dirty="0" err="1"/>
+              <a:t>a,indent</a:t>
+            </a:r>
+            <a:r>
+              <a:rPr lang="en-US" sz="2800" dirty="0"/>
+              <a:t>=2))</a:t>
+            </a:r>
+            <a:endParaRPr lang="en-IN" dirty="0"/>
           </a:p>
         </p:txBody>
       </p:sp>
     </p:spTree>
     <p:extLst>
       <p:ext uri="{BB962C8B-B14F-4D97-AF65-F5344CB8AC3E}">
-        <p14:creationId xmlns:p14="http://schemas.microsoft.com/office/powerpoint/2010/main" val="2973513673"/>
+        <p14:creationId xmlns:p14="http://schemas.microsoft.com/office/powerpoint/2010/main" val="3149824181"/>
       </p:ext>
     </p:extLst>
   </p:cSld>
@@ -9058,7 +9046,7 @@
           <p:cNvPr id="2" name="Title 1">
             <a:extLst>
               <a:ext uri="{FF2B5EF4-FFF2-40B4-BE49-F238E27FC236}">
-                <a16:creationId xmlns:a16="http://schemas.microsoft.com/office/drawing/2014/main" id="{BDCCA9FD-4235-462B-9599-ABF203D37D73}"/>
+                <a16:creationId xmlns:a16="http://schemas.microsoft.com/office/drawing/2014/main" id="{760B7834-C5F3-4225-BF1D-E06E08FA800D}"/>
               </a:ext>
             </a:extLst>
           </p:cNvPr>
@@ -9071,8 +9059,8 @@
         </p:nvSpPr>
         <p:spPr>
           <a:xfrm>
-            <a:off x="838200" y="681037"/>
-            <a:ext cx="10515600" cy="558152"/>
+            <a:off x="838200" y="365126"/>
+            <a:ext cx="10515600" cy="584786"/>
           </a:xfrm>
         </p:spPr>
         <p:txBody>
@@ -9082,190 +9070,215 @@
           <a:lstStyle/>
           <a:p>
             <a:r>
-              <a:rPr lang="en-US" i="0" dirty="0">
-                <a:solidFill>
-                  <a:srgbClr val="25265E"/>
-                </a:solidFill>
-                <a:effectLst/>
-                <a:latin typeface="euclid_circular_a"/>
-              </a:rPr>
-              <a:t>Example 1: Python JSON to </a:t>
-            </a:r>
-            <a:r>
-              <a:rPr lang="en-US" i="0" dirty="0" err="1">
-                <a:solidFill>
-                  <a:srgbClr val="25265E"/>
-                </a:solidFill>
-                <a:effectLst/>
-                <a:latin typeface="euclid_circular_a"/>
-              </a:rPr>
-              <a:t>dict</a:t>
-            </a:r>
-            <a:br>
-              <a:rPr lang="en-US" b="1" i="0" dirty="0">
-                <a:solidFill>
-                  <a:srgbClr val="25265E"/>
-                </a:solidFill>
-                <a:effectLst/>
-                <a:latin typeface="euclid_circular_a"/>
-              </a:rPr>
-            </a:br>
+              <a:rPr lang="en-US" dirty="0"/>
+              <a:t>Reading from a json file</a:t>
+            </a:r>
             <a:endParaRPr lang="en-IN" dirty="0"/>
           </a:p>
         </p:txBody>
       </p:sp>
       <p:sp>
         <p:nvSpPr>
-          <p:cNvPr id="6" name="TextBox 5">
+          <p:cNvPr id="3" name="Content Placeholder 2">
             <a:extLst>
               <a:ext uri="{FF2B5EF4-FFF2-40B4-BE49-F238E27FC236}">
-                <a16:creationId xmlns:a16="http://schemas.microsoft.com/office/drawing/2014/main" id="{E96E34B9-FF56-4D62-8B71-51F4C36576D6}"/>
+                <a16:creationId xmlns:a16="http://schemas.microsoft.com/office/drawing/2014/main" id="{EE12DC8F-1798-42D8-890E-6CAB2CC4DF55}"/>
               </a:ext>
             </a:extLst>
           </p:cNvPr>
-          <p:cNvSpPr txBox="1"/>
-          <p:nvPr/>
+          <p:cNvSpPr>
+            <a:spLocks noGrp="1"/>
+          </p:cNvSpPr>
+          <p:nvPr>
+            <p:ph idx="1"/>
+          </p:nvPr>
         </p:nvSpPr>
         <p:spPr>
           <a:xfrm>
-            <a:off x="1404891" y="1414132"/>
-            <a:ext cx="6094520" cy="2862322"/>
+            <a:off x="568171" y="1544715"/>
+            <a:ext cx="11623829" cy="5211192"/>
           </a:xfrm>
-          <a:prstGeom prst="rect">
-            <a:avLst/>
-          </a:prstGeom>
-          <a:noFill/>
         </p:spPr>
         <p:txBody>
-          <a:bodyPr wrap="square">
-            <a:spAutoFit/>
+          <a:bodyPr>
+            <a:normAutofit/>
           </a:bodyPr>
           <a:lstStyle/>
           <a:p>
-            <a:r>
-              <a:rPr lang="en-IN" dirty="0"/>
-              <a:t>import json</a:t>
-            </a:r>
-          </a:p>
-          <a:p>
-            <a:endParaRPr lang="en-IN" dirty="0"/>
-          </a:p>
-          <a:p>
-            <a:r>
-              <a:rPr lang="en-IN" dirty="0"/>
-              <a:t>person = '{"name": "Bob", "languages": ["English", "</a:t>
-            </a:r>
-            <a:r>
-              <a:rPr lang="en-IN" dirty="0" err="1"/>
-              <a:t>Fench</a:t>
-            </a:r>
-            <a:r>
-              <a:rPr lang="en-IN" dirty="0"/>
-              <a:t>"]}'</a:t>
-            </a:r>
-          </a:p>
-          <a:p>
-            <a:r>
-              <a:rPr lang="en-IN" dirty="0" err="1">
+            <a:pPr marL="0" indent="0">
+              <a:buNone/>
+            </a:pPr>
+            <a:r>
+              <a:rPr lang="en-US" sz="2400" dirty="0"/>
+              <a:t>import json </a:t>
+            </a:r>
+          </a:p>
+          <a:p>
+            <a:pPr marL="0" indent="0">
+              <a:buNone/>
+            </a:pPr>
+            <a:r>
+              <a:rPr lang="en-US" sz="2400" dirty="0"/>
+              <a:t>with open(‘</a:t>
+            </a:r>
+            <a:r>
+              <a:rPr lang="en-US" sz="2400" dirty="0" err="1"/>
+              <a:t>demo.json’,’r</a:t>
+            </a:r>
+            <a:r>
+              <a:rPr lang="en-US" sz="2400" dirty="0"/>
+              <a:t>’) as </a:t>
+            </a:r>
+            <a:r>
+              <a:rPr lang="en-US" sz="2400" dirty="0" err="1"/>
+              <a:t>fh</a:t>
+            </a:r>
+            <a:r>
+              <a:rPr lang="en-US" sz="2400" dirty="0"/>
+              <a:t>:</a:t>
+            </a:r>
+          </a:p>
+          <a:p>
+            <a:pPr marL="0" indent="0">
+              <a:buNone/>
+            </a:pPr>
+            <a:r>
+              <a:rPr lang="en-US" sz="2400" dirty="0"/>
+              <a:t>        print(</a:t>
+            </a:r>
+            <a:r>
+              <a:rPr lang="en-US" sz="2400" dirty="0" err="1"/>
+              <a:t>fh.read</a:t>
+            </a:r>
+            <a:r>
+              <a:rPr lang="en-US" sz="2400" dirty="0"/>
+              <a:t>()) #reads string value</a:t>
+            </a:r>
+          </a:p>
+          <a:p>
+            <a:pPr marL="0" indent="0">
+              <a:buNone/>
+            </a:pPr>
+            <a:r>
+              <a:rPr lang="en-US" sz="2400" dirty="0">
                 <a:highlight>
                   <a:srgbClr val="FFFF00"/>
                 </a:highlight>
               </a:rPr>
-              <a:t>person_dict</a:t>
-            </a:r>
-            <a:r>
-              <a:rPr lang="en-IN" dirty="0">
-                <a:highlight>
-                  <a:srgbClr val="FFFF00"/>
-                </a:highlight>
-              </a:rPr>
-              <a:t> = </a:t>
-            </a:r>
-            <a:r>
-              <a:rPr lang="en-IN" dirty="0" err="1">
-                <a:highlight>
-                  <a:srgbClr val="FFFF00"/>
-                </a:highlight>
-              </a:rPr>
-              <a:t>json.loads</a:t>
-            </a:r>
-            <a:r>
-              <a:rPr lang="en-IN" dirty="0">
-                <a:highlight>
-                  <a:srgbClr val="FFFF00"/>
-                </a:highlight>
-              </a:rPr>
-              <a:t>(person)</a:t>
-            </a:r>
-          </a:p>
-          <a:p>
-            <a:endParaRPr lang="en-IN" dirty="0"/>
-          </a:p>
-          <a:p>
-            <a:r>
-              <a:rPr lang="en-IN" dirty="0">
-                <a:solidFill>
-                  <a:srgbClr val="FF0000"/>
-                </a:solidFill>
-              </a:rPr>
-              <a:t># Output: {'name': 'Bob', 'languages': ['English', '</a:t>
-            </a:r>
-            <a:r>
-              <a:rPr lang="en-IN" dirty="0" err="1">
-                <a:solidFill>
-                  <a:srgbClr val="FF0000"/>
-                </a:solidFill>
-              </a:rPr>
-              <a:t>Fench</a:t>
-            </a:r>
-            <a:r>
-              <a:rPr lang="en-IN" dirty="0">
-                <a:solidFill>
-                  <a:srgbClr val="FF0000"/>
-                </a:solidFill>
-              </a:rPr>
-              <a:t>']}</a:t>
-            </a:r>
-          </a:p>
-          <a:p>
-            <a:r>
-              <a:rPr lang="en-IN" dirty="0"/>
-              <a:t>print( </a:t>
-            </a:r>
-            <a:r>
-              <a:rPr lang="en-IN" dirty="0" err="1"/>
-              <a:t>person_dict</a:t>
-            </a:r>
-            <a:r>
-              <a:rPr lang="en-IN" dirty="0"/>
+              <a:t>#or</a:t>
+            </a:r>
+          </a:p>
+          <a:p>
+            <a:pPr marL="0" indent="0">
+              <a:buNone/>
+            </a:pPr>
+            <a:r>
+              <a:rPr lang="en-US" sz="2400" dirty="0"/>
+              <a:t> with open(‘</a:t>
+            </a:r>
+            <a:r>
+              <a:rPr lang="en-US" sz="2400" dirty="0" err="1"/>
+              <a:t>demo.json’,’r</a:t>
+            </a:r>
+            <a:r>
+              <a:rPr lang="en-US" sz="2400" dirty="0"/>
+              <a:t>’) as </a:t>
+            </a:r>
+            <a:r>
+              <a:rPr lang="en-US" sz="2400" dirty="0" err="1"/>
+              <a:t>fh</a:t>
+            </a:r>
+            <a:r>
+              <a:rPr lang="en-US" sz="2400" dirty="0"/>
+              <a:t>:</a:t>
+            </a:r>
+          </a:p>
+          <a:p>
+            <a:pPr marL="0" indent="0">
+              <a:buNone/>
+            </a:pPr>
+            <a:r>
+              <a:rPr lang="en-IN" sz="2400" dirty="0"/>
+              <a:t>    </a:t>
+            </a:r>
+          </a:p>
+          <a:p>
+            <a:pPr marL="0" indent="0">
+              <a:buNone/>
+            </a:pPr>
+            <a:r>
+              <a:rPr lang="en-IN" sz="2400" dirty="0"/>
+              <a:t>    </a:t>
+            </a:r>
+            <a:r>
+              <a:rPr lang="en-IN" sz="2400" dirty="0" err="1"/>
+              <a:t>json_value</a:t>
+            </a:r>
+            <a:r>
+              <a:rPr lang="en-IN" sz="2400" dirty="0"/>
+              <a:t>=</a:t>
+            </a:r>
+            <a:r>
+              <a:rPr lang="en-IN" sz="2400" dirty="0" err="1"/>
+              <a:t>json.load</a:t>
+            </a:r>
+            <a:r>
+              <a:rPr lang="en-IN" sz="2400" dirty="0"/>
+              <a:t>(</a:t>
+            </a:r>
+            <a:r>
+              <a:rPr lang="en-IN" sz="2400" dirty="0" err="1"/>
+              <a:t>fh</a:t>
+            </a:r>
+            <a:r>
+              <a:rPr lang="en-IN" sz="2400" dirty="0"/>
+              <a:t>) #</a:t>
+            </a:r>
+            <a:r>
+              <a:rPr lang="en-IN" sz="1800" dirty="0"/>
+              <a:t>loads() is used to convert from string to json value and prints in </a:t>
+            </a:r>
+            <a:r>
+              <a:rPr lang="en-IN" sz="1800" dirty="0" err="1"/>
+              <a:t>dict</a:t>
+            </a:r>
+            <a:r>
+              <a:rPr lang="en-IN" sz="1800" dirty="0"/>
+              <a:t> form.</a:t>
+            </a:r>
+          </a:p>
+          <a:p>
+            <a:pPr marL="0" indent="0">
+              <a:buNone/>
+            </a:pPr>
+            <a:r>
+              <a:rPr lang="en-IN" sz="2400" dirty="0"/>
+              <a:t>  print(</a:t>
+            </a:r>
+            <a:r>
+              <a:rPr lang="en-IN" sz="2400" dirty="0" err="1"/>
+              <a:t>json_value</a:t>
+            </a:r>
+            <a:r>
+              <a:rPr lang="en-IN" sz="2400" dirty="0"/>
+              <a:t>[‘name’])</a:t>
+            </a:r>
+          </a:p>
+          <a:p>
+            <a:pPr marL="0" indent="0">
+              <a:buNone/>
+            </a:pPr>
+            <a:r>
+              <a:rPr lang="en-IN" sz="2400" dirty="0"/>
+              <a:t>print(</a:t>
+            </a:r>
+            <a:r>
+              <a:rPr lang="en-IN" sz="2400" dirty="0" err="1"/>
+              <a:t>json_value</a:t>
+            </a:r>
+            <a:r>
+              <a:rPr lang="en-IN" sz="2400" dirty="0"/>
               <a:t>)</a:t>
-            </a:r>
-          </a:p>
-          <a:p>
-            <a:endParaRPr lang="en-IN" dirty="0"/>
-          </a:p>
-          <a:p>
-            <a:r>
-              <a:rPr lang="en-IN" dirty="0">
-                <a:solidFill>
-                  <a:srgbClr val="FF0000"/>
-                </a:solidFill>
-              </a:rPr>
-              <a:t># Output: ['English', 'French']</a:t>
-            </a:r>
-          </a:p>
-          <a:p>
-            <a:r>
-              <a:rPr lang="en-IN" dirty="0"/>
-              <a:t>print(</a:t>
-            </a:r>
-            <a:r>
-              <a:rPr lang="en-IN" dirty="0" err="1"/>
-              <a:t>person_dict</a:t>
-            </a:r>
-            <a:r>
-              <a:rPr lang="en-IN" dirty="0"/>
-              <a:t>['languages'])</a:t>
             </a:r>
           </a:p>
         </p:txBody>
@@ -9273,7 +9286,7 @@
     </p:spTree>
     <p:extLst>
       <p:ext uri="{BB962C8B-B14F-4D97-AF65-F5344CB8AC3E}">
-        <p14:creationId xmlns:p14="http://schemas.microsoft.com/office/powerpoint/2010/main" val="2120853965"/>
+        <p14:creationId xmlns:p14="http://schemas.microsoft.com/office/powerpoint/2010/main" val="2973513673"/>
       </p:ext>
     </p:extLst>
   </p:cSld>
@@ -9437,6 +9450,253 @@
           <p:cNvPr id="2" name="Title 1">
             <a:extLst>
               <a:ext uri="{FF2B5EF4-FFF2-40B4-BE49-F238E27FC236}">
+                <a16:creationId xmlns:a16="http://schemas.microsoft.com/office/drawing/2014/main" id="{BDCCA9FD-4235-462B-9599-ABF203D37D73}"/>
+              </a:ext>
+            </a:extLst>
+          </p:cNvPr>
+          <p:cNvSpPr>
+            <a:spLocks noGrp="1"/>
+          </p:cNvSpPr>
+          <p:nvPr>
+            <p:ph type="title"/>
+          </p:nvPr>
+        </p:nvSpPr>
+        <p:spPr>
+          <a:xfrm>
+            <a:off x="838200" y="681037"/>
+            <a:ext cx="10515600" cy="558152"/>
+          </a:xfrm>
+        </p:spPr>
+        <p:txBody>
+          <a:bodyPr>
+            <a:normAutofit fontScale="90000"/>
+          </a:bodyPr>
+          <a:lstStyle/>
+          <a:p>
+            <a:r>
+              <a:rPr lang="en-US" i="0" dirty="0">
+                <a:solidFill>
+                  <a:srgbClr val="25265E"/>
+                </a:solidFill>
+                <a:effectLst/>
+                <a:latin typeface="euclid_circular_a"/>
+              </a:rPr>
+              <a:t>Example 1: Python JSON to </a:t>
+            </a:r>
+            <a:r>
+              <a:rPr lang="en-US" i="0" dirty="0" err="1">
+                <a:solidFill>
+                  <a:srgbClr val="25265E"/>
+                </a:solidFill>
+                <a:effectLst/>
+                <a:latin typeface="euclid_circular_a"/>
+              </a:rPr>
+              <a:t>dict</a:t>
+            </a:r>
+            <a:br>
+              <a:rPr lang="en-US" b="1" i="0" dirty="0">
+                <a:solidFill>
+                  <a:srgbClr val="25265E"/>
+                </a:solidFill>
+                <a:effectLst/>
+                <a:latin typeface="euclid_circular_a"/>
+              </a:rPr>
+            </a:br>
+            <a:endParaRPr lang="en-IN" dirty="0"/>
+          </a:p>
+        </p:txBody>
+      </p:sp>
+      <p:sp>
+        <p:nvSpPr>
+          <p:cNvPr id="6" name="TextBox 5">
+            <a:extLst>
+              <a:ext uri="{FF2B5EF4-FFF2-40B4-BE49-F238E27FC236}">
+                <a16:creationId xmlns:a16="http://schemas.microsoft.com/office/drawing/2014/main" id="{E96E34B9-FF56-4D62-8B71-51F4C36576D6}"/>
+              </a:ext>
+            </a:extLst>
+          </p:cNvPr>
+          <p:cNvSpPr txBox="1"/>
+          <p:nvPr/>
+        </p:nvSpPr>
+        <p:spPr>
+          <a:xfrm>
+            <a:off x="1404891" y="1414132"/>
+            <a:ext cx="6094520" cy="2862322"/>
+          </a:xfrm>
+          <a:prstGeom prst="rect">
+            <a:avLst/>
+          </a:prstGeom>
+          <a:noFill/>
+        </p:spPr>
+        <p:txBody>
+          <a:bodyPr wrap="square">
+            <a:spAutoFit/>
+          </a:bodyPr>
+          <a:lstStyle/>
+          <a:p>
+            <a:r>
+              <a:rPr lang="en-IN" dirty="0"/>
+              <a:t>import json</a:t>
+            </a:r>
+          </a:p>
+          <a:p>
+            <a:endParaRPr lang="en-IN" dirty="0"/>
+          </a:p>
+          <a:p>
+            <a:r>
+              <a:rPr lang="en-IN" dirty="0"/>
+              <a:t>person = '{"name": "Bob", "languages": ["English", "</a:t>
+            </a:r>
+            <a:r>
+              <a:rPr lang="en-IN" dirty="0" err="1"/>
+              <a:t>Fench</a:t>
+            </a:r>
+            <a:r>
+              <a:rPr lang="en-IN" dirty="0"/>
+              <a:t>"]}'</a:t>
+            </a:r>
+          </a:p>
+          <a:p>
+            <a:r>
+              <a:rPr lang="en-IN" dirty="0" err="1">
+                <a:highlight>
+                  <a:srgbClr val="FFFF00"/>
+                </a:highlight>
+              </a:rPr>
+              <a:t>person_dict</a:t>
+            </a:r>
+            <a:r>
+              <a:rPr lang="en-IN" dirty="0">
+                <a:highlight>
+                  <a:srgbClr val="FFFF00"/>
+                </a:highlight>
+              </a:rPr>
+              <a:t> = </a:t>
+            </a:r>
+            <a:r>
+              <a:rPr lang="en-IN" dirty="0" err="1">
+                <a:highlight>
+                  <a:srgbClr val="FFFF00"/>
+                </a:highlight>
+              </a:rPr>
+              <a:t>json.loads</a:t>
+            </a:r>
+            <a:r>
+              <a:rPr lang="en-IN" dirty="0">
+                <a:highlight>
+                  <a:srgbClr val="FFFF00"/>
+                </a:highlight>
+              </a:rPr>
+              <a:t>(person)</a:t>
+            </a:r>
+          </a:p>
+          <a:p>
+            <a:endParaRPr lang="en-IN" dirty="0"/>
+          </a:p>
+          <a:p>
+            <a:r>
+              <a:rPr lang="en-IN" dirty="0">
+                <a:solidFill>
+                  <a:srgbClr val="FF0000"/>
+                </a:solidFill>
+              </a:rPr>
+              <a:t># Output: {'name': 'Bob', 'languages': ['English', '</a:t>
+            </a:r>
+            <a:r>
+              <a:rPr lang="en-IN" dirty="0" err="1">
+                <a:solidFill>
+                  <a:srgbClr val="FF0000"/>
+                </a:solidFill>
+              </a:rPr>
+              <a:t>Fench</a:t>
+            </a:r>
+            <a:r>
+              <a:rPr lang="en-IN" dirty="0">
+                <a:solidFill>
+                  <a:srgbClr val="FF0000"/>
+                </a:solidFill>
+              </a:rPr>
+              <a:t>']}</a:t>
+            </a:r>
+          </a:p>
+          <a:p>
+            <a:r>
+              <a:rPr lang="en-IN" dirty="0"/>
+              <a:t>print( </a:t>
+            </a:r>
+            <a:r>
+              <a:rPr lang="en-IN" dirty="0" err="1"/>
+              <a:t>person_dict</a:t>
+            </a:r>
+            <a:r>
+              <a:rPr lang="en-IN" dirty="0"/>
+              <a:t>)</a:t>
+            </a:r>
+          </a:p>
+          <a:p>
+            <a:endParaRPr lang="en-IN" dirty="0"/>
+          </a:p>
+          <a:p>
+            <a:r>
+              <a:rPr lang="en-IN" dirty="0">
+                <a:solidFill>
+                  <a:srgbClr val="FF0000"/>
+                </a:solidFill>
+              </a:rPr>
+              <a:t># Output: ['English', 'French']</a:t>
+            </a:r>
+          </a:p>
+          <a:p>
+            <a:r>
+              <a:rPr lang="en-IN" dirty="0"/>
+              <a:t>print(</a:t>
+            </a:r>
+            <a:r>
+              <a:rPr lang="en-IN" dirty="0" err="1"/>
+              <a:t>person_dict</a:t>
+            </a:r>
+            <a:r>
+              <a:rPr lang="en-IN" dirty="0"/>
+              <a:t>['languages'])</a:t>
+            </a:r>
+          </a:p>
+        </p:txBody>
+      </p:sp>
+    </p:spTree>
+    <p:extLst>
+      <p:ext uri="{BB962C8B-B14F-4D97-AF65-F5344CB8AC3E}">
+        <p14:creationId xmlns:p14="http://schemas.microsoft.com/office/powerpoint/2010/main" val="2120853965"/>
+      </p:ext>
+    </p:extLst>
+  </p:cSld>
+  <p:clrMapOvr>
+    <a:masterClrMapping/>
+  </p:clrMapOvr>
+</p:sld>
+</file>
+
+<file path=ppt/slides/slide31.xml><?xml version="1.0" encoding="utf-8"?>
+<p:sld xmlns:a="http://schemas.openxmlformats.org/drawingml/2006/main" xmlns:r="http://schemas.openxmlformats.org/officeDocument/2006/relationships" xmlns:p="http://schemas.openxmlformats.org/presentationml/2006/main">
+  <p:cSld>
+    <p:spTree>
+      <p:nvGrpSpPr>
+        <p:cNvPr id="1" name=""/>
+        <p:cNvGrpSpPr/>
+        <p:nvPr/>
+      </p:nvGrpSpPr>
+      <p:grpSpPr>
+        <a:xfrm>
+          <a:off x="0" y="0"/>
+          <a:ext cx="0" cy="0"/>
+          <a:chOff x="0" y="0"/>
+          <a:chExt cx="0" cy="0"/>
+        </a:xfrm>
+      </p:grpSpPr>
+      <p:sp>
+        <p:nvSpPr>
+          <p:cNvPr id="2" name="Title 1">
+            <a:extLst>
+              <a:ext uri="{FF2B5EF4-FFF2-40B4-BE49-F238E27FC236}">
                 <a16:creationId xmlns:a16="http://schemas.microsoft.com/office/drawing/2014/main" id="{6905CE32-D367-40F2-A8A4-DDD01B135599}"/>
               </a:ext>
             </a:extLst>
@@ -9699,7 +9959,7 @@
 </p:sld>
 </file>
 
-<file path=ppt/slides/slide31.xml><?xml version="1.0" encoding="utf-8"?>
+<file path=ppt/slides/slide32.xml><?xml version="1.0" encoding="utf-8"?>
 <p:sld xmlns:a="http://schemas.openxmlformats.org/drawingml/2006/main" xmlns:r="http://schemas.openxmlformats.org/officeDocument/2006/relationships" xmlns:p="http://schemas.openxmlformats.org/presentationml/2006/main">
   <p:cSld>
     <p:spTree>
@@ -9943,7 +10203,7 @@
 </p:sld>
 </file>
 
-<file path=ppt/slides/slide32.xml><?xml version="1.0" encoding="utf-8"?>
+<file path=ppt/slides/slide33.xml><?xml version="1.0" encoding="utf-8"?>
 <p:sld xmlns:a="http://schemas.openxmlformats.org/drawingml/2006/main" xmlns:r="http://schemas.openxmlformats.org/officeDocument/2006/relationships" xmlns:p="http://schemas.openxmlformats.org/presentationml/2006/main">
   <p:cSld>
     <p:spTree>
@@ -10175,7 +10435,7 @@
 </p:sld>
 </file>
 
-<file path=ppt/slides/slide33.xml><?xml version="1.0" encoding="utf-8"?>
+<file path=ppt/slides/slide34.xml><?xml version="1.0" encoding="utf-8"?>
 <p:sld xmlns:a="http://schemas.openxmlformats.org/drawingml/2006/main" xmlns:r="http://schemas.openxmlformats.org/officeDocument/2006/relationships" xmlns:p="http://schemas.openxmlformats.org/presentationml/2006/main">
   <p:cSld>
     <p:spTree>
@@ -10365,7 +10625,7 @@
 </p:sld>
 </file>
 
-<file path=ppt/slides/slide34.xml><?xml version="1.0" encoding="utf-8"?>
+<file path=ppt/slides/slide35.xml><?xml version="1.0" encoding="utf-8"?>
 <p:sld xmlns:a="http://schemas.openxmlformats.org/drawingml/2006/main" xmlns:r="http://schemas.openxmlformats.org/officeDocument/2006/relationships" xmlns:p="http://schemas.openxmlformats.org/presentationml/2006/main">
   <p:cSld>
     <p:spTree>
@@ -10842,7 +11102,7 @@
 </p:sld>
 </file>
 
-<file path=ppt/slides/slide35.xml><?xml version="1.0" encoding="utf-8"?>
+<file path=ppt/slides/slide36.xml><?xml version="1.0" encoding="utf-8"?>
 <p:sld xmlns:a="http://schemas.openxmlformats.org/drawingml/2006/main" xmlns:r="http://schemas.openxmlformats.org/officeDocument/2006/relationships" xmlns:p="http://schemas.openxmlformats.org/presentationml/2006/main">
   <p:cSld>
     <p:spTree>
@@ -11259,7 +11519,7 @@
 </p:sld>
 </file>
 
-<file path=ppt/slides/slide36.xml><?xml version="1.0" encoding="utf-8"?>
+<file path=ppt/slides/slide37.xml><?xml version="1.0" encoding="utf-8"?>
 <p:sld xmlns:a="http://schemas.openxmlformats.org/drawingml/2006/main" xmlns:r="http://schemas.openxmlformats.org/officeDocument/2006/relationships" xmlns:p="http://schemas.openxmlformats.org/presentationml/2006/main">
   <p:cSld>
     <p:spTree>
@@ -11698,7 +11958,7 @@
 </p:sld>
 </file>
 
-<file path=ppt/slides/slide37.xml><?xml version="1.0" encoding="utf-8"?>
+<file path=ppt/slides/slide38.xml><?xml version="1.0" encoding="utf-8"?>
 <p:sld xmlns:a="http://schemas.openxmlformats.org/drawingml/2006/main" xmlns:r="http://schemas.openxmlformats.org/officeDocument/2006/relationships" xmlns:p="http://schemas.openxmlformats.org/presentationml/2006/main">
   <p:cSld>
     <p:spTree>
@@ -12045,7 +12305,7 @@
 </p:sld>
 </file>
 
-<file path=ppt/slides/slide38.xml><?xml version="1.0" encoding="utf-8"?>
+<file path=ppt/slides/slide39.xml><?xml version="1.0" encoding="utf-8"?>
 <p:sld xmlns:a="http://schemas.openxmlformats.org/drawingml/2006/main" xmlns:r="http://schemas.openxmlformats.org/officeDocument/2006/relationships" xmlns:p="http://schemas.openxmlformats.org/presentationml/2006/main">
   <p:cSld>
     <p:spTree>
@@ -12348,7 +12608,122 @@
 </p:sld>
 </file>
 
-<file path=ppt/slides/slide39.xml><?xml version="1.0" encoding="utf-8"?>
+<file path=ppt/slides/slide4.xml><?xml version="1.0" encoding="utf-8"?>
+<p:sld xmlns:a="http://schemas.openxmlformats.org/drawingml/2006/main" xmlns:r="http://schemas.openxmlformats.org/officeDocument/2006/relationships" xmlns:p="http://schemas.openxmlformats.org/presentationml/2006/main">
+  <p:cSld>
+    <p:spTree>
+      <p:nvGrpSpPr>
+        <p:cNvPr id="1" name=""/>
+        <p:cNvGrpSpPr/>
+        <p:nvPr/>
+      </p:nvGrpSpPr>
+      <p:grpSpPr>
+        <a:xfrm>
+          <a:off x="0" y="0"/>
+          <a:ext cx="0" cy="0"/>
+          <a:chOff x="0" y="0"/>
+          <a:chExt cx="0" cy="0"/>
+        </a:xfrm>
+      </p:grpSpPr>
+      <p:sp>
+        <p:nvSpPr>
+          <p:cNvPr id="2" name="Title 1">
+            <a:extLst>
+              <a:ext uri="{FF2B5EF4-FFF2-40B4-BE49-F238E27FC236}">
+                <a16:creationId xmlns:a16="http://schemas.microsoft.com/office/drawing/2014/main" id="{CAF5B9E1-CF29-471B-AACF-0EADA5B2DAEA}"/>
+              </a:ext>
+            </a:extLst>
+          </p:cNvPr>
+          <p:cNvSpPr>
+            <a:spLocks noGrp="1"/>
+          </p:cNvSpPr>
+          <p:nvPr>
+            <p:ph type="title"/>
+          </p:nvPr>
+        </p:nvSpPr>
+        <p:spPr/>
+        <p:txBody>
+          <a:bodyPr/>
+          <a:lstStyle/>
+          <a:p>
+            <a:r>
+              <a:rPr lang="en-IN" i="0" dirty="0">
+                <a:effectLst/>
+                <a:latin typeface="urw-din"/>
+              </a:rPr>
+              <a:t>Working of read() mode</a:t>
+            </a:r>
+            <a:endParaRPr lang="en-IN" dirty="0"/>
+          </a:p>
+        </p:txBody>
+      </p:sp>
+      <p:sp>
+        <p:nvSpPr>
+          <p:cNvPr id="3" name="Content Placeholder 2">
+            <a:extLst>
+              <a:ext uri="{FF2B5EF4-FFF2-40B4-BE49-F238E27FC236}">
+                <a16:creationId xmlns:a16="http://schemas.microsoft.com/office/drawing/2014/main" id="{B6C5E3C3-BE54-4756-9862-242E1314AEBB}"/>
+              </a:ext>
+            </a:extLst>
+          </p:cNvPr>
+          <p:cNvSpPr>
+            <a:spLocks noGrp="1"/>
+          </p:cNvSpPr>
+          <p:nvPr>
+            <p:ph idx="1"/>
+          </p:nvPr>
+        </p:nvSpPr>
+        <p:spPr/>
+        <p:txBody>
+          <a:bodyPr/>
+          <a:lstStyle/>
+          <a:p>
+            <a:r>
+              <a:rPr lang="en-US" b="0" i="0" dirty="0">
+                <a:effectLst/>
+                <a:latin typeface="urw-din"/>
+              </a:rPr>
+              <a:t>There is more than one way to read a file in Python. If you need to extract a string that contains all characters in the file then we can use </a:t>
+            </a:r>
+            <a:r>
+              <a:rPr lang="en-US" b="1" i="0" dirty="0" err="1">
+                <a:effectLst/>
+                <a:latin typeface="urw-din"/>
+              </a:rPr>
+              <a:t>file.read</a:t>
+            </a:r>
+            <a:r>
+              <a:rPr lang="en-US" b="1" i="0" dirty="0">
+                <a:effectLst/>
+                <a:latin typeface="urw-din"/>
+              </a:rPr>
+              <a:t>()</a:t>
+            </a:r>
+            <a:r>
+              <a:rPr lang="en-US" b="0" i="0" dirty="0">
+                <a:effectLst/>
+                <a:latin typeface="urw-din"/>
+              </a:rPr>
+              <a:t>. </a:t>
+            </a:r>
+            <a:endParaRPr lang="en-IN" dirty="0"/>
+          </a:p>
+        </p:txBody>
+      </p:sp>
+    </p:spTree>
+    <p:extLst>
+      <p:ext uri="{BB962C8B-B14F-4D97-AF65-F5344CB8AC3E}">
+        <p14:creationId xmlns:p14="http://schemas.microsoft.com/office/powerpoint/2010/main" val="2411932791"/>
+      </p:ext>
+    </p:extLst>
+  </p:cSld>
+  <p:clrMapOvr>
+    <a:masterClrMapping/>
+  </p:clrMapOvr>
+</p:sld>
+</file>
+
+<file path=ppt/slides/slide40.xml><?xml version="1.0" encoding="utf-8"?>
 <p:sld xmlns:a="http://schemas.openxmlformats.org/drawingml/2006/main" xmlns:r="http://schemas.openxmlformats.org/officeDocument/2006/relationships" xmlns:p="http://schemas.openxmlformats.org/presentationml/2006/main">
   <p:cSld>
     <p:spTree>
@@ -14596,122 +14971,7 @@
 </p:sld>
 </file>
 
-<file path=ppt/slides/slide4.xml><?xml version="1.0" encoding="utf-8"?>
-<p:sld xmlns:a="http://schemas.openxmlformats.org/drawingml/2006/main" xmlns:r="http://schemas.openxmlformats.org/officeDocument/2006/relationships" xmlns:p="http://schemas.openxmlformats.org/presentationml/2006/main">
-  <p:cSld>
-    <p:spTree>
-      <p:nvGrpSpPr>
-        <p:cNvPr id="1" name=""/>
-        <p:cNvGrpSpPr/>
-        <p:nvPr/>
-      </p:nvGrpSpPr>
-      <p:grpSpPr>
-        <a:xfrm>
-          <a:off x="0" y="0"/>
-          <a:ext cx="0" cy="0"/>
-          <a:chOff x="0" y="0"/>
-          <a:chExt cx="0" cy="0"/>
-        </a:xfrm>
-      </p:grpSpPr>
-      <p:sp>
-        <p:nvSpPr>
-          <p:cNvPr id="2" name="Title 1">
-            <a:extLst>
-              <a:ext uri="{FF2B5EF4-FFF2-40B4-BE49-F238E27FC236}">
-                <a16:creationId xmlns:a16="http://schemas.microsoft.com/office/drawing/2014/main" id="{CAF5B9E1-CF29-471B-AACF-0EADA5B2DAEA}"/>
-              </a:ext>
-            </a:extLst>
-          </p:cNvPr>
-          <p:cNvSpPr>
-            <a:spLocks noGrp="1"/>
-          </p:cNvSpPr>
-          <p:nvPr>
-            <p:ph type="title"/>
-          </p:nvPr>
-        </p:nvSpPr>
-        <p:spPr/>
-        <p:txBody>
-          <a:bodyPr/>
-          <a:lstStyle/>
-          <a:p>
-            <a:r>
-              <a:rPr lang="en-IN" i="0" dirty="0">
-                <a:effectLst/>
-                <a:latin typeface="urw-din"/>
-              </a:rPr>
-              <a:t>Working of read() mode</a:t>
-            </a:r>
-            <a:endParaRPr lang="en-IN" dirty="0"/>
-          </a:p>
-        </p:txBody>
-      </p:sp>
-      <p:sp>
-        <p:nvSpPr>
-          <p:cNvPr id="3" name="Content Placeholder 2">
-            <a:extLst>
-              <a:ext uri="{FF2B5EF4-FFF2-40B4-BE49-F238E27FC236}">
-                <a16:creationId xmlns:a16="http://schemas.microsoft.com/office/drawing/2014/main" id="{B6C5E3C3-BE54-4756-9862-242E1314AEBB}"/>
-              </a:ext>
-            </a:extLst>
-          </p:cNvPr>
-          <p:cNvSpPr>
-            <a:spLocks noGrp="1"/>
-          </p:cNvSpPr>
-          <p:nvPr>
-            <p:ph idx="1"/>
-          </p:nvPr>
-        </p:nvSpPr>
-        <p:spPr/>
-        <p:txBody>
-          <a:bodyPr/>
-          <a:lstStyle/>
-          <a:p>
-            <a:r>
-              <a:rPr lang="en-US" b="0" i="0" dirty="0">
-                <a:effectLst/>
-                <a:latin typeface="urw-din"/>
-              </a:rPr>
-              <a:t>There is more than one way to read a file in Python. If you need to extract a string that contains all characters in the file then we can use </a:t>
-            </a:r>
-            <a:r>
-              <a:rPr lang="en-US" b="1" i="0" dirty="0" err="1">
-                <a:effectLst/>
-                <a:latin typeface="urw-din"/>
-              </a:rPr>
-              <a:t>file.read</a:t>
-            </a:r>
-            <a:r>
-              <a:rPr lang="en-US" b="1" i="0" dirty="0">
-                <a:effectLst/>
-                <a:latin typeface="urw-din"/>
-              </a:rPr>
-              <a:t>()</a:t>
-            </a:r>
-            <a:r>
-              <a:rPr lang="en-US" b="0" i="0" dirty="0">
-                <a:effectLst/>
-                <a:latin typeface="urw-din"/>
-              </a:rPr>
-              <a:t>. </a:t>
-            </a:r>
-            <a:endParaRPr lang="en-IN" dirty="0"/>
-          </a:p>
-        </p:txBody>
-      </p:sp>
-    </p:spTree>
-    <p:extLst>
-      <p:ext uri="{BB962C8B-B14F-4D97-AF65-F5344CB8AC3E}">
-        <p14:creationId xmlns:p14="http://schemas.microsoft.com/office/powerpoint/2010/main" val="2411932791"/>
-      </p:ext>
-    </p:extLst>
-  </p:cSld>
-  <p:clrMapOvr>
-    <a:masterClrMapping/>
-  </p:clrMapOvr>
-</p:sld>
-</file>
-
-<file path=ppt/slides/slide40.xml><?xml version="1.0" encoding="utf-8"?>
+<file path=ppt/slides/slide41.xml><?xml version="1.0" encoding="utf-8"?>
 <p:sld xmlns:a="http://schemas.openxmlformats.org/drawingml/2006/main" xmlns:r="http://schemas.openxmlformats.org/officeDocument/2006/relationships" xmlns:p="http://schemas.openxmlformats.org/presentationml/2006/main">
   <p:cSld>
     <p:spTree>
